--- a/介紹.pptx
+++ b/介紹.pptx
@@ -5,7 +5,7 @@
     <p:sldMasterId id="2147483648" r:id="rId1"/>
   </p:sldMasterIdLst>
   <p:notesMasterIdLst>
-    <p:notesMasterId r:id="rId8"/>
+    <p:notesMasterId r:id="rId9"/>
   </p:notesMasterIdLst>
   <p:sldIdLst>
     <p:sldId id="8719" r:id="rId2"/>
@@ -13,12 +13,13 @@
     <p:sldId id="2007577438" r:id="rId4"/>
     <p:sldId id="2007577452" r:id="rId5"/>
     <p:sldId id="2007577453" r:id="rId6"/>
-    <p:sldId id="2007577455" r:id="rId7"/>
+    <p:sldId id="2007577456" r:id="rId7"/>
+    <p:sldId id="2007577455" r:id="rId8"/>
   </p:sldIdLst>
   <p:sldSz cx="12192000" cy="6858000"/>
   <p:notesSz cx="6858000" cy="9144000"/>
   <p:custDataLst>
-    <p:tags r:id="rId9"/>
+    <p:tags r:id="rId10"/>
   </p:custDataLst>
   <p:defaultTextStyle>
     <a:defPPr>
@@ -216,7 +217,7 @@
           <a:p>
             <a:fld id="{31AB3913-C932-4079-999E-C1EC6324BAF9}" type="datetimeFigureOut">
               <a:rPr lang="zh-CN" altLang="en-US" smtClean="0"/>
-              <a:t>2020/5/29</a:t>
+              <a:t>2020/5/30</a:t>
             </a:fld>
             <a:endParaRPr lang="zh-CN" altLang="en-US"/>
           </a:p>
@@ -1028,7 +1029,7 @@
           <a:p>
             <a:fld id="{8641F6EF-17A8-4D8D-8596-CC20AFAE4E50}" type="slidenum">
               <a:rPr lang="zh-CN" altLang="en-US" smtClean="0"/>
-              <a:t>6</a:t>
+              <a:t>7</a:t>
             </a:fld>
             <a:endParaRPr lang="zh-CN" altLang="en-US"/>
           </a:p>
@@ -1194,7 +1195,7 @@
           <a:p>
             <a:fld id="{C1FB8A37-FBA6-41CB-96AA-E2A81E77E47E}" type="datetimeFigureOut">
               <a:rPr lang="zh-CN" altLang="en-US" smtClean="0"/>
-              <a:t>2020/5/29</a:t>
+              <a:t>2020/5/30</a:t>
             </a:fld>
             <a:endParaRPr lang="zh-CN" altLang="en-US"/>
           </a:p>
@@ -1404,7 +1405,7 @@
           <a:p>
             <a:fld id="{C1FB8A37-FBA6-41CB-96AA-E2A81E77E47E}" type="datetimeFigureOut">
               <a:rPr lang="zh-CN" altLang="en-US" smtClean="0"/>
-              <a:t>2020/5/29</a:t>
+              <a:t>2020/5/30</a:t>
             </a:fld>
             <a:endParaRPr lang="zh-CN" altLang="en-US"/>
           </a:p>
@@ -1624,7 +1625,7 @@
           <a:p>
             <a:fld id="{C1FB8A37-FBA6-41CB-96AA-E2A81E77E47E}" type="datetimeFigureOut">
               <a:rPr lang="zh-CN" altLang="en-US" smtClean="0"/>
-              <a:t>2020/5/29</a:t>
+              <a:t>2020/5/30</a:t>
             </a:fld>
             <a:endParaRPr lang="zh-CN" altLang="en-US"/>
           </a:p>
@@ -2253,7 +2254,7 @@
           <a:p>
             <a:fld id="{C1FB8A37-FBA6-41CB-96AA-E2A81E77E47E}" type="datetimeFigureOut">
               <a:rPr lang="zh-CN" altLang="en-US" smtClean="0"/>
-              <a:t>2020/5/29</a:t>
+              <a:t>2020/5/30</a:t>
             </a:fld>
             <a:endParaRPr lang="zh-CN" altLang="en-US"/>
           </a:p>
@@ -2540,7 +2541,7 @@
           <a:p>
             <a:fld id="{C1FB8A37-FBA6-41CB-96AA-E2A81E77E47E}" type="datetimeFigureOut">
               <a:rPr lang="zh-CN" altLang="en-US" smtClean="0"/>
-              <a:t>2020/5/29</a:t>
+              <a:t>2020/5/30</a:t>
             </a:fld>
             <a:endParaRPr lang="zh-CN" altLang="en-US"/>
           </a:p>
@@ -2817,7 +2818,7 @@
           <a:p>
             <a:fld id="{C1FB8A37-FBA6-41CB-96AA-E2A81E77E47E}" type="datetimeFigureOut">
               <a:rPr lang="zh-CN" altLang="en-US" smtClean="0"/>
-              <a:t>2020/5/29</a:t>
+              <a:t>2020/5/30</a:t>
             </a:fld>
             <a:endParaRPr lang="zh-CN" altLang="en-US"/>
           </a:p>
@@ -3241,7 +3242,7 @@
           <a:p>
             <a:fld id="{C1FB8A37-FBA6-41CB-96AA-E2A81E77E47E}" type="datetimeFigureOut">
               <a:rPr lang="zh-CN" altLang="en-US" smtClean="0"/>
-              <a:t>2020/5/29</a:t>
+              <a:t>2020/5/30</a:t>
             </a:fld>
             <a:endParaRPr lang="zh-CN" altLang="en-US"/>
           </a:p>
@@ -3394,7 +3395,7 @@
           <a:p>
             <a:fld id="{C1FB8A37-FBA6-41CB-96AA-E2A81E77E47E}" type="datetimeFigureOut">
               <a:rPr lang="zh-CN" altLang="en-US" smtClean="0"/>
-              <a:t>2020/5/29</a:t>
+              <a:t>2020/5/30</a:t>
             </a:fld>
             <a:endParaRPr lang="zh-CN" altLang="en-US"/>
           </a:p>
@@ -3519,7 +3520,7 @@
           <a:p>
             <a:fld id="{C1FB8A37-FBA6-41CB-96AA-E2A81E77E47E}" type="datetimeFigureOut">
               <a:rPr lang="zh-CN" altLang="en-US" smtClean="0"/>
-              <a:t>2020/5/29</a:t>
+              <a:t>2020/5/30</a:t>
             </a:fld>
             <a:endParaRPr lang="zh-CN" altLang="en-US"/>
           </a:p>
@@ -3842,7 +3843,7 @@
           <a:p>
             <a:fld id="{C1FB8A37-FBA6-41CB-96AA-E2A81E77E47E}" type="datetimeFigureOut">
               <a:rPr lang="zh-CN" altLang="en-US" smtClean="0"/>
-              <a:t>2020/5/29</a:t>
+              <a:t>2020/5/30</a:t>
             </a:fld>
             <a:endParaRPr lang="zh-CN" altLang="en-US"/>
           </a:p>
@@ -4142,7 +4143,7 @@
           <a:p>
             <a:fld id="{C1FB8A37-FBA6-41CB-96AA-E2A81E77E47E}" type="datetimeFigureOut">
               <a:rPr lang="zh-CN" altLang="en-US" smtClean="0"/>
-              <a:t>2020/5/29</a:t>
+              <a:t>2020/5/30</a:t>
             </a:fld>
             <a:endParaRPr lang="zh-CN" altLang="en-US"/>
           </a:p>
@@ -4395,7 +4396,7 @@
           <a:p>
             <a:fld id="{C1FB8A37-FBA6-41CB-96AA-E2A81E77E47E}" type="datetimeFigureOut">
               <a:rPr lang="zh-CN" altLang="en-US" smtClean="0"/>
-              <a:t>2020/5/29</a:t>
+              <a:t>2020/5/30</a:t>
             </a:fld>
             <a:endParaRPr lang="zh-CN" altLang="en-US"/>
           </a:p>
@@ -5395,7 +5396,7 @@
             </p:spPr>
             <p:txBody>
               <a:bodyPr vert="horz" lIns="91440" tIns="45720" rIns="91440" bIns="45720" rtlCol="0" anchor="ctr">
-                <a:normAutofit fontScale="70000" lnSpcReduction="20000"/>
+                <a:normAutofit fontScale="77500" lnSpcReduction="20000"/>
               </a:bodyPr>
               <a:lstStyle>
                 <a:lvl1pPr algn="ctr" defTabSz="914400" rtl="0" eaLnBrk="1" latinLnBrk="0" hangingPunct="1">
@@ -5433,22 +5434,10 @@
                     <a:cs typeface="+mn-ea"/>
                     <a:sym typeface="Source Han Serif SC" panose="02020400000000000000" pitchFamily="18" charset="-122"/>
                   </a:rPr>
-                  <a:t>青青麵包</a:t>
+                  <a:t>青青麵包坊 </a:t>
                 </a:r>
                 <a:r>
-                  <a:rPr lang="zh-TW" altLang="en-US" sz="6600" b="1" spc="400" dirty="0" smtClean="0">
-                    <a:solidFill>
-                      <a:srgbClr val="0C3273"/>
-                    </a:solidFill>
-                    <a:latin typeface="微软雅黑" panose="020B0503020204020204" pitchFamily="34" charset="-122"/>
-                    <a:ea typeface="微软雅黑" panose="020B0503020204020204" pitchFamily="34" charset="-122"/>
-                    <a:cs typeface="+mn-ea"/>
-                    <a:sym typeface="Source Han Serif SC" panose="02020400000000000000" pitchFamily="18" charset="-122"/>
-                  </a:rPr>
-                  <a:t>坊 </a:t>
-                </a:r>
-                <a:r>
-                  <a:rPr lang="en-US" altLang="zh-TW" sz="6600" b="1" spc="400" dirty="0" smtClean="0">
+                  <a:rPr lang="en-US" altLang="zh-TW" sz="6600" b="1" spc="400" dirty="0">
                     <a:solidFill>
                       <a:srgbClr val="0C3273"/>
                     </a:solidFill>
@@ -5460,7 +5449,7 @@
                   <a:t>	</a:t>
                 </a:r>
                 <a:r>
-                  <a:rPr lang="zh-TW" altLang="en-US" sz="6600" b="1" spc="400" dirty="0" smtClean="0">
+                  <a:rPr lang="zh-TW" altLang="en-US" sz="6600" b="1" spc="400" dirty="0">
                     <a:solidFill>
                       <a:srgbClr val="0C3273"/>
                     </a:solidFill>
@@ -6030,34 +6019,17 @@
               <a:buSzPct val="100000"/>
             </a:pPr>
             <a:r>
-              <a:rPr lang="zh-TW" altLang="en-US" sz="2000" b="1" dirty="0" smtClean="0">
+              <a:rPr lang="zh-TW" altLang="en-US" sz="2000" b="1" dirty="0">
                 <a:latin typeface="微軟正黑體" panose="020B0604030504040204" pitchFamily="34" charset="-120"/>
                 <a:ea typeface="微軟正黑體" panose="020B0604030504040204" pitchFamily="34" charset="-120"/>
               </a:rPr>
               <a:t>問題：</a:t>
             </a:r>
             <a:r>
-              <a:rPr lang="zh-TW" altLang="en-US" sz="2000" dirty="0" smtClean="0"/>
-              <a:t>有時候</a:t>
-            </a:r>
-            <a:r>
               <a:rPr lang="zh-TW" altLang="en-US" sz="2000" dirty="0"/>
-              <a:t>點選按鈕時並不是特別的</a:t>
-            </a:r>
-            <a:r>
-              <a:rPr lang="zh-TW" altLang="en-US" sz="2000" dirty="0" smtClean="0"/>
-              <a:t>明顯及沒有進行碰到按鈕時的視覺回饋</a:t>
+              <a:t>有時候點選按鈕時並不是特別的明顯及沒有進行碰到按鈕時的視覺回饋</a:t>
             </a:r>
             <a:endParaRPr lang="en-US" altLang="zh-TW" sz="2000" dirty="0">
-              <a:latin typeface="微軟正黑體" panose="020B0604030504040204" pitchFamily="34" charset="-120"/>
-              <a:ea typeface="微軟正黑體" panose="020B0604030504040204" pitchFamily="34" charset="-120"/>
-            </a:endParaRPr>
-          </a:p>
-          <a:p>
-            <a:pPr>
-              <a:buSzPct val="100000"/>
-            </a:pPr>
-            <a:endParaRPr lang="en-US" altLang="zh-TW" sz="2000" dirty="0" smtClean="0">
               <a:latin typeface="微軟正黑體" panose="020B0604030504040204" pitchFamily="34" charset="-120"/>
               <a:ea typeface="微軟正黑體" panose="020B0604030504040204" pitchFamily="34" charset="-120"/>
             </a:endParaRPr>
@@ -6075,7 +6047,7 @@
             <a:pPr>
               <a:buSzPct val="100000"/>
             </a:pPr>
-            <a:endParaRPr lang="en-US" altLang="zh-TW" sz="2000" dirty="0" smtClean="0">
+            <a:endParaRPr lang="en-US" altLang="zh-TW" sz="2000" dirty="0">
               <a:latin typeface="微軟正黑體" panose="020B0604030504040204" pitchFamily="34" charset="-120"/>
               <a:ea typeface="微軟正黑體" panose="020B0604030504040204" pitchFamily="34" charset="-120"/>
             </a:endParaRPr>
@@ -6084,7 +6056,7 @@
             <a:pPr>
               <a:buSzPct val="100000"/>
             </a:pPr>
-            <a:endParaRPr lang="en-US" altLang="zh-TW" sz="2000" dirty="0" smtClean="0">
+            <a:endParaRPr lang="en-US" altLang="zh-TW" sz="2000" dirty="0">
               <a:latin typeface="微軟正黑體" panose="020B0604030504040204" pitchFamily="34" charset="-120"/>
               <a:ea typeface="微軟正黑體" panose="020B0604030504040204" pitchFamily="34" charset="-120"/>
             </a:endParaRPr>
@@ -6093,7 +6065,7 @@
             <a:pPr>
               <a:buSzPct val="100000"/>
             </a:pPr>
-            <a:endParaRPr lang="en-US" altLang="zh-TW" sz="2000" dirty="0" smtClean="0">
+            <a:endParaRPr lang="en-US" altLang="zh-TW" sz="2000" dirty="0">
               <a:latin typeface="微軟正黑體" panose="020B0604030504040204" pitchFamily="34" charset="-120"/>
               <a:ea typeface="微軟正黑體" panose="020B0604030504040204" pitchFamily="34" charset="-120"/>
             </a:endParaRPr>
@@ -6102,7 +6074,16 @@
             <a:pPr>
               <a:buSzPct val="100000"/>
             </a:pPr>
-            <a:endParaRPr lang="en-US" altLang="zh-TW" sz="2000" dirty="0" smtClean="0">
+            <a:endParaRPr lang="en-US" altLang="zh-TW" sz="2000" dirty="0">
+              <a:latin typeface="微軟正黑體" panose="020B0604030504040204" pitchFamily="34" charset="-120"/>
+              <a:ea typeface="微軟正黑體" panose="020B0604030504040204" pitchFamily="34" charset="-120"/>
+            </a:endParaRPr>
+          </a:p>
+          <a:p>
+            <a:pPr>
+              <a:buSzPct val="100000"/>
+            </a:pPr>
+            <a:endParaRPr lang="en-US" altLang="zh-TW" sz="2000" dirty="0">
               <a:latin typeface="微軟正黑體" panose="020B0604030504040204" pitchFamily="34" charset="-120"/>
               <a:ea typeface="微軟正黑體" panose="020B0604030504040204" pitchFamily="34" charset="-120"/>
             </a:endParaRPr>
@@ -6116,37 +6097,18 @@
                 <a:latin typeface="微軟正黑體" panose="020B0604030504040204" pitchFamily="34" charset="-120"/>
                 <a:ea typeface="微軟正黑體" panose="020B0604030504040204" pitchFamily="34" charset="-120"/>
               </a:rPr>
-              <a:t>解決</a:t>
-            </a:r>
-            <a:r>
-              <a:rPr lang="zh-TW" altLang="en-US" sz="2000" b="1" dirty="0" smtClean="0">
-                <a:latin typeface="微軟正黑體" panose="020B0604030504040204" pitchFamily="34" charset="-120"/>
-                <a:ea typeface="微軟正黑體" panose="020B0604030504040204" pitchFamily="34" charset="-120"/>
-              </a:rPr>
-              <a:t>方式：</a:t>
-            </a:r>
-            <a:r>
-              <a:rPr lang="zh-TW" altLang="en-US" sz="2000" dirty="0" smtClean="0"/>
-              <a:t>當</a:t>
+              <a:t>解決方式：</a:t>
             </a:r>
             <a:r>
               <a:rPr lang="zh-TW" altLang="en-US" sz="2000" dirty="0"/>
-              <a:t>滑鼠觸碰到按鈕或圖片時，</a:t>
-            </a:r>
-            <a:r>
-              <a:rPr lang="zh-TW" altLang="en-US" sz="2000" dirty="0" smtClean="0"/>
-              <a:t>能夠</a:t>
+              <a:t>當滑鼠觸碰到按鈕或圖片時，能夠進行</a:t>
+            </a:r>
+            <a:r>
+              <a:rPr lang="en-US" altLang="zh-TW" sz="2000" dirty="0" err="1"/>
+              <a:t>Havor</a:t>
             </a:r>
             <a:r>
               <a:rPr lang="zh-TW" altLang="en-US" sz="2000" dirty="0"/>
-              <a:t>進行</a:t>
-            </a:r>
-            <a:r>
-              <a:rPr lang="en-US" altLang="zh-TW" sz="2000" dirty="0" err="1" smtClean="0"/>
-              <a:t>Havor</a:t>
-            </a:r>
-            <a:r>
-              <a:rPr lang="zh-TW" altLang="en-US" sz="2000" dirty="0" smtClean="0"/>
               <a:t>的發生。</a:t>
             </a:r>
             <a:endParaRPr lang="en-US" altLang="zh-TW" sz="2000" b="1" dirty="0">
@@ -6542,41 +6504,27 @@
               <a:t>問題</a:t>
             </a:r>
             <a:r>
-              <a:rPr lang="zh-TW" altLang="en-US" sz="2000" b="1" dirty="0" smtClean="0"/>
+              <a:rPr lang="zh-TW" altLang="en-US" sz="2000" b="1" dirty="0"/>
               <a:t>： </a:t>
             </a:r>
             <a:r>
-              <a:rPr lang="zh-TW" altLang="en-US" sz="2000" dirty="0" smtClean="0"/>
-              <a:t>不同</a:t>
-            </a:r>
-            <a:r>
               <a:rPr lang="zh-TW" altLang="en-US" sz="2000" dirty="0"/>
-              <a:t>分頁中背景顏色、圖示按鈕大小及位置、 文字大小及字體皆有</a:t>
-            </a:r>
-            <a:r>
-              <a:rPr lang="zh-TW" altLang="en-US" sz="2000" dirty="0" smtClean="0"/>
-              <a:t>差異，導致使用者觀感不</a:t>
-            </a:r>
-            <a:endParaRPr lang="en-US" altLang="zh-TW" sz="2000" dirty="0" smtClean="0"/>
+              <a:t>不同分頁中背景顏色、圖示按鈕大小及位置、 文字大小及字體皆有差異，導致使用者觀感不</a:t>
+            </a:r>
+            <a:endParaRPr lang="en-US" altLang="zh-TW" sz="2000" dirty="0"/>
           </a:p>
           <a:p>
             <a:pPr>
               <a:buSzPct val="100000"/>
             </a:pPr>
             <a:r>
-              <a:rPr lang="zh-TW" altLang="en-US" sz="2000" dirty="0" smtClean="0"/>
+              <a:rPr lang="zh-TW" altLang="en-US" sz="2000" dirty="0"/>
               <a:t>              佳，容易在使用上感到不適或是誤解。 </a:t>
             </a:r>
-            <a:endParaRPr lang="en-US" altLang="zh-TW" sz="2000" dirty="0" smtClean="0">
+            <a:endParaRPr lang="en-US" altLang="zh-TW" sz="2000" dirty="0">
               <a:latin typeface="微軟正黑體" panose="020B0604030504040204" pitchFamily="34" charset="-120"/>
               <a:ea typeface="微軟正黑體" panose="020B0604030504040204" pitchFamily="34" charset="-120"/>
             </a:endParaRPr>
-          </a:p>
-          <a:p>
-            <a:pPr>
-              <a:buSzPct val="100000"/>
-            </a:pPr>
-            <a:endParaRPr lang="en-US" altLang="zh-TW" sz="2000" b="1" dirty="0" smtClean="0"/>
           </a:p>
           <a:p>
             <a:pPr>
@@ -6588,13 +6536,19 @@
             <a:pPr>
               <a:buSzPct val="100000"/>
             </a:pPr>
-            <a:endParaRPr lang="en-US" altLang="zh-TW" sz="2000" b="1" dirty="0" smtClean="0"/>
+            <a:endParaRPr lang="en-US" altLang="zh-TW" sz="2000" b="1" dirty="0"/>
           </a:p>
           <a:p>
             <a:pPr>
               <a:buSzPct val="100000"/>
             </a:pPr>
-            <a:endParaRPr lang="en-US" altLang="zh-TW" sz="2000" b="1" dirty="0" smtClean="0"/>
+            <a:endParaRPr lang="en-US" altLang="zh-TW" sz="2000" b="1" dirty="0"/>
+          </a:p>
+          <a:p>
+            <a:pPr>
+              <a:buSzPct val="100000"/>
+            </a:pPr>
+            <a:endParaRPr lang="en-US" altLang="zh-TW" sz="2000" b="1" dirty="0"/>
           </a:p>
           <a:p>
             <a:pPr>
@@ -6614,40 +6568,32 @@
               <a:t>解決方法：</a:t>
             </a:r>
             <a:r>
-              <a:rPr lang="zh-TW" altLang="en-US" sz="2000" dirty="0" smtClean="0"/>
+              <a:rPr lang="zh-TW" altLang="en-US" sz="2000" dirty="0"/>
               <a:t>使用統一</a:t>
             </a:r>
             <a:r>
-              <a:rPr lang="en-US" altLang="zh-TW" sz="2000" dirty="0" smtClean="0"/>
+              <a:rPr lang="en-US" altLang="zh-TW" sz="2000" dirty="0"/>
               <a:t>CSS</a:t>
             </a:r>
             <a:r>
-              <a:rPr lang="zh-TW" altLang="en-US" sz="2000" dirty="0" smtClean="0"/>
+              <a:rPr lang="zh-TW" altLang="en-US" sz="2000" dirty="0"/>
               <a:t>的</a:t>
             </a:r>
             <a:r>
-              <a:rPr lang="en-US" altLang="zh-TW" sz="2000" dirty="0" smtClean="0"/>
+              <a:rPr lang="en-US" altLang="zh-TW" sz="2000" dirty="0"/>
               <a:t>Header</a:t>
             </a:r>
             <a:r>
-              <a:rPr lang="zh-TW" altLang="en-US" sz="2000" dirty="0" smtClean="0"/>
+              <a:rPr lang="zh-TW" altLang="en-US" sz="2000" dirty="0"/>
               <a:t>及限定</a:t>
             </a:r>
             <a:r>
-              <a:rPr lang="en-US" altLang="zh-TW" sz="2000" dirty="0" smtClean="0"/>
+              <a:rPr lang="en-US" altLang="zh-TW" sz="2000" dirty="0"/>
               <a:t>2~3</a:t>
             </a:r>
             <a:r>
-              <a:rPr lang="zh-TW" altLang="en-US" sz="2000" dirty="0" smtClean="0"/>
-              <a:t>種顏色</a:t>
-            </a:r>
-            <a:r>
               <a:rPr lang="zh-TW" altLang="en-US" sz="2000" dirty="0"/>
-              <a:t>及</a:t>
-            </a:r>
-            <a:r>
-              <a:rPr lang="zh-TW" altLang="en-US" sz="2000" dirty="0" smtClean="0"/>
-              <a:t>字體，再根據重要程度分配。</a:t>
+              <a:t>種顏色及字體，再根據重要程度分配。</a:t>
             </a:r>
             <a:endParaRPr lang="en-US" altLang="zh-TW" sz="2000" dirty="0">
               <a:latin typeface="微軟正黑體" panose="020B0604030504040204" pitchFamily="34" charset="-120"/>
@@ -7039,38 +6985,13 @@
                 <a:latin typeface="微軟正黑體" panose="020B0604030504040204" pitchFamily="34" charset="-120"/>
                 <a:ea typeface="微軟正黑體" panose="020B0604030504040204" pitchFamily="34" charset="-120"/>
               </a:rPr>
-              <a:t>問題</a:t>
-            </a:r>
-            <a:r>
-              <a:rPr lang="zh-TW" altLang="en-US" sz="2000" b="1" dirty="0" smtClean="0">
-                <a:latin typeface="微軟正黑體" panose="020B0604030504040204" pitchFamily="34" charset="-120"/>
-                <a:ea typeface="微軟正黑體" panose="020B0604030504040204" pitchFamily="34" charset="-120"/>
-              </a:rPr>
-              <a:t>：</a:t>
-            </a:r>
-            <a:r>
-              <a:rPr lang="zh-TW" altLang="en-US" sz="2000" dirty="0" smtClean="0"/>
+              <a:t>問題：</a:t>
+            </a:r>
+            <a:r>
+              <a:rPr lang="zh-TW" altLang="en-US" sz="2000" dirty="0"/>
               <a:t>使用者在輸入錯誤的蛋糕數量的時候，沒有跳出說明文字。</a:t>
             </a:r>
             <a:endParaRPr lang="en-US" altLang="zh-TW" sz="2000" b="1" dirty="0"/>
-          </a:p>
-          <a:p>
-            <a:pPr>
-              <a:buSzPct val="100000"/>
-            </a:pPr>
-            <a:endParaRPr lang="en-US" altLang="zh-TW" sz="2000" b="1" dirty="0" smtClean="0"/>
-          </a:p>
-          <a:p>
-            <a:pPr>
-              <a:buSzPct val="100000"/>
-            </a:pPr>
-            <a:endParaRPr lang="en-US" altLang="zh-TW" sz="2000" b="1" dirty="0" smtClean="0"/>
-          </a:p>
-          <a:p>
-            <a:pPr>
-              <a:buSzPct val="100000"/>
-            </a:pPr>
-            <a:endParaRPr lang="en-US" altLang="zh-TW" sz="2000" b="1" dirty="0" smtClean="0"/>
           </a:p>
           <a:p>
             <a:pPr>
@@ -7082,7 +7003,7 @@
             <a:pPr>
               <a:buSzPct val="100000"/>
             </a:pPr>
-            <a:endParaRPr lang="en-US" altLang="zh-TW" sz="2000" b="1" dirty="0" smtClean="0"/>
+            <a:endParaRPr lang="en-US" altLang="zh-TW" sz="2000" b="1" dirty="0"/>
           </a:p>
           <a:p>
             <a:pPr>
@@ -7094,22 +7015,33 @@
             <a:pPr>
               <a:buSzPct val="100000"/>
             </a:pPr>
+            <a:endParaRPr lang="en-US" altLang="zh-TW" sz="2000" b="1" dirty="0"/>
+          </a:p>
+          <a:p>
+            <a:pPr>
+              <a:buSzPct val="100000"/>
+            </a:pPr>
+            <a:endParaRPr lang="en-US" altLang="zh-TW" sz="2000" b="1" dirty="0"/>
+          </a:p>
+          <a:p>
+            <a:pPr>
+              <a:buSzPct val="100000"/>
+            </a:pPr>
+            <a:endParaRPr lang="en-US" altLang="zh-TW" sz="2000" b="1" dirty="0"/>
+          </a:p>
+          <a:p>
+            <a:pPr>
+              <a:buSzPct val="100000"/>
+            </a:pPr>
             <a:r>
               <a:rPr lang="zh-TW" altLang="en-US" sz="2000" b="1" dirty="0">
                 <a:latin typeface="微軟正黑體" panose="020B0604030504040204" pitchFamily="34" charset="-120"/>
                 <a:ea typeface="微軟正黑體" panose="020B0604030504040204" pitchFamily="34" charset="-120"/>
               </a:rPr>
-              <a:t>解決方法</a:t>
-            </a:r>
-            <a:r>
-              <a:rPr lang="zh-TW" altLang="en-US" sz="2000" b="1" dirty="0" smtClean="0">
-                <a:latin typeface="微軟正黑體" panose="020B0604030504040204" pitchFamily="34" charset="-120"/>
-                <a:ea typeface="微軟正黑體" panose="020B0604030504040204" pitchFamily="34" charset="-120"/>
-              </a:rPr>
-              <a:t>：</a:t>
-            </a:r>
-            <a:r>
-              <a:rPr lang="zh-TW" altLang="en-US" sz="2000" dirty="0" smtClean="0"/>
+              <a:t>解決方法：</a:t>
+            </a:r>
+            <a:r>
+              <a:rPr lang="zh-TW" altLang="en-US" sz="2000" dirty="0"/>
               <a:t>當使用者輸入錯誤數量時，會跳出錯誤說明，及要求輸入正確的數量</a:t>
             </a:r>
             <a:endParaRPr lang="en-US" altLang="zh-TW" sz="2000" dirty="0">
@@ -7502,42 +7434,13 @@
                 <a:latin typeface="微軟正黑體" panose="020B0604030504040204" pitchFamily="34" charset="-120"/>
                 <a:ea typeface="微軟正黑體" panose="020B0604030504040204" pitchFamily="34" charset="-120"/>
               </a:rPr>
-              <a:t>問題</a:t>
-            </a:r>
-            <a:r>
-              <a:rPr lang="zh-TW" altLang="en-US" sz="2000" b="1" dirty="0" smtClean="0">
-                <a:latin typeface="微軟正黑體" panose="020B0604030504040204" pitchFamily="34" charset="-120"/>
-                <a:ea typeface="微軟正黑體" panose="020B0604030504040204" pitchFamily="34" charset="-120"/>
-              </a:rPr>
-              <a:t>：</a:t>
+              <a:t>問題：</a:t>
             </a:r>
             <a:r>
               <a:rPr lang="zh-TW" altLang="en-US" sz="2000" dirty="0"/>
-              <a:t>瀏覽頁面時</a:t>
-            </a:r>
-            <a:r>
-              <a:rPr lang="zh-TW" altLang="en-US" sz="2000" dirty="0" smtClean="0"/>
-              <a:t>，操作系統都在網頁最上方，在使用上會導致需要切換介面都要拉到最上方</a:t>
+              <a:t>瀏覽頁面時，操作系統都在網頁最上方，在使用上會導致需要切換介面都要拉到最上方</a:t>
             </a:r>
             <a:endParaRPr lang="en-US" altLang="zh-TW" sz="2000" b="1" dirty="0"/>
-          </a:p>
-          <a:p>
-            <a:pPr>
-              <a:buSzPct val="100000"/>
-            </a:pPr>
-            <a:endParaRPr lang="en-US" altLang="zh-TW" sz="2000" b="1" dirty="0" smtClean="0"/>
-          </a:p>
-          <a:p>
-            <a:pPr>
-              <a:buSzPct val="100000"/>
-            </a:pPr>
-            <a:endParaRPr lang="en-US" altLang="zh-TW" sz="2000" b="1" dirty="0" smtClean="0"/>
-          </a:p>
-          <a:p>
-            <a:pPr>
-              <a:buSzPct val="100000"/>
-            </a:pPr>
-            <a:endParaRPr lang="en-US" altLang="zh-TW" sz="2000" b="1" dirty="0" smtClean="0"/>
           </a:p>
           <a:p>
             <a:pPr>
@@ -7549,10 +7452,19 @@
             <a:pPr>
               <a:buSzPct val="100000"/>
             </a:pPr>
-            <a:endParaRPr lang="en-US" altLang="zh-TW" sz="2000" b="1" dirty="0" smtClean="0">
-              <a:latin typeface="微軟正黑體" panose="020B0604030504040204" pitchFamily="34" charset="-120"/>
-              <a:ea typeface="微軟正黑體" panose="020B0604030504040204" pitchFamily="34" charset="-120"/>
-            </a:endParaRPr>
+            <a:endParaRPr lang="en-US" altLang="zh-TW" sz="2000" b="1" dirty="0"/>
+          </a:p>
+          <a:p>
+            <a:pPr>
+              <a:buSzPct val="100000"/>
+            </a:pPr>
+            <a:endParaRPr lang="en-US" altLang="zh-TW" sz="2000" b="1" dirty="0"/>
+          </a:p>
+          <a:p>
+            <a:pPr>
+              <a:buSzPct val="100000"/>
+            </a:pPr>
+            <a:endParaRPr lang="en-US" altLang="zh-TW" sz="2000" b="1" dirty="0"/>
           </a:p>
           <a:p>
             <a:pPr>
@@ -7567,31 +7479,25 @@
             <a:pPr>
               <a:buSzPct val="100000"/>
             </a:pPr>
+            <a:endParaRPr lang="en-US" altLang="zh-TW" sz="2000" b="1" dirty="0">
+              <a:latin typeface="微軟正黑體" panose="020B0604030504040204" pitchFamily="34" charset="-120"/>
+              <a:ea typeface="微軟正黑體" panose="020B0604030504040204" pitchFamily="34" charset="-120"/>
+            </a:endParaRPr>
+          </a:p>
+          <a:p>
+            <a:pPr>
+              <a:buSzPct val="100000"/>
+            </a:pPr>
             <a:r>
               <a:rPr lang="zh-TW" altLang="en-US" sz="2000" b="1" dirty="0">
                 <a:latin typeface="微軟正黑體" panose="020B0604030504040204" pitchFamily="34" charset="-120"/>
                 <a:ea typeface="微軟正黑體" panose="020B0604030504040204" pitchFamily="34" charset="-120"/>
               </a:rPr>
-              <a:t>解決方法</a:t>
-            </a:r>
-            <a:r>
-              <a:rPr lang="zh-TW" altLang="en-US" sz="2000" b="1" dirty="0" smtClean="0">
-                <a:latin typeface="微軟正黑體" panose="020B0604030504040204" pitchFamily="34" charset="-120"/>
-                <a:ea typeface="微軟正黑體" panose="020B0604030504040204" pitchFamily="34" charset="-120"/>
-              </a:rPr>
-              <a:t>：</a:t>
-            </a:r>
-            <a:r>
-              <a:rPr lang="zh-TW" altLang="en-US" sz="2000" dirty="0" smtClean="0"/>
-              <a:t>使最上方是使用浮動</a:t>
+              <a:t>解決方法：</a:t>
             </a:r>
             <a:r>
               <a:rPr lang="zh-TW" altLang="en-US" sz="2000" dirty="0"/>
-              <a:t>的</a:t>
-            </a:r>
-            <a:r>
-              <a:rPr lang="zh-TW" altLang="en-US" sz="2000" dirty="0" smtClean="0"/>
-              <a:t>，讓使用者可以隨時都可以使用操作介面</a:t>
+              <a:t>使最上方是使用浮動的，讓使用者可以隨時都可以使用操作介面</a:t>
             </a:r>
             <a:endParaRPr lang="en-US" altLang="zh-TW" sz="2000" dirty="0">
               <a:latin typeface="微軟正黑體" panose="020B0604030504040204" pitchFamily="34" charset="-120"/>
@@ -7626,6 +7532,473 @@
 </file>
 
 <file path=ppt/slides/slide6.xml><?xml version="1.0" encoding="utf-8"?>
+<p:sld xmlns:a="http://schemas.openxmlformats.org/drawingml/2006/main" xmlns:r="http://schemas.openxmlformats.org/officeDocument/2006/relationships" xmlns:p="http://schemas.openxmlformats.org/presentationml/2006/main">
+  <p:cSld>
+    <p:spTree>
+      <p:nvGrpSpPr>
+        <p:cNvPr id="1" name=""/>
+        <p:cNvGrpSpPr/>
+        <p:nvPr/>
+      </p:nvGrpSpPr>
+      <p:grpSpPr>
+        <a:xfrm>
+          <a:off x="0" y="0"/>
+          <a:ext cx="0" cy="0"/>
+          <a:chOff x="0" y="0"/>
+          <a:chExt cx="0" cy="0"/>
+        </a:xfrm>
+      </p:grpSpPr>
+      <p:grpSp>
+        <p:nvGrpSpPr>
+          <p:cNvPr id="2" name="组合 27">
+            <a:extLst>
+              <a:ext uri="{FF2B5EF4-FFF2-40B4-BE49-F238E27FC236}">
+                <a16:creationId xmlns:a16="http://schemas.microsoft.com/office/drawing/2014/main" id="{340C48DD-2B08-4F95-8320-B923DAD399D6}"/>
+              </a:ext>
+            </a:extLst>
+          </p:cNvPr>
+          <p:cNvGrpSpPr/>
+          <p:nvPr/>
+        </p:nvGrpSpPr>
+        <p:grpSpPr>
+          <a:xfrm>
+            <a:off x="670943" y="419918"/>
+            <a:ext cx="6861073" cy="519486"/>
+            <a:chOff x="670943" y="419918"/>
+            <a:chExt cx="4220653" cy="519486"/>
+          </a:xfrm>
+        </p:grpSpPr>
+        <p:sp>
+          <p:nvSpPr>
+            <p:cNvPr id="3" name="KSO_Shape">
+              <a:extLst>
+                <a:ext uri="{FF2B5EF4-FFF2-40B4-BE49-F238E27FC236}">
+                  <a16:creationId xmlns:a16="http://schemas.microsoft.com/office/drawing/2014/main" id="{1C476181-D54F-4897-BF55-47A23498FF57}"/>
+                </a:ext>
+              </a:extLst>
+            </p:cNvPr>
+            <p:cNvSpPr>
+              <a:spLocks noChangeAspect="1"/>
+            </p:cNvSpPr>
+            <p:nvPr/>
+          </p:nvSpPr>
+          <p:spPr>
+            <a:xfrm rot="5400000">
+              <a:off x="647826" y="539879"/>
+              <a:ext cx="334159" cy="287925"/>
+            </a:xfrm>
+            <a:custGeom>
+              <a:avLst/>
+              <a:gdLst/>
+              <a:ahLst/>
+              <a:cxnLst/>
+              <a:rect l="l" t="t" r="r" b="b"/>
+              <a:pathLst>
+                <a:path w="751403" h="647761">
+                  <a:moveTo>
+                    <a:pt x="375702" y="0"/>
+                  </a:moveTo>
+                  <a:lnTo>
+                    <a:pt x="751403" y="647761"/>
+                  </a:lnTo>
+                  <a:lnTo>
+                    <a:pt x="745416" y="647761"/>
+                  </a:lnTo>
+                  <a:lnTo>
+                    <a:pt x="375702" y="432047"/>
+                  </a:lnTo>
+                  <a:lnTo>
+                    <a:pt x="5987" y="647761"/>
+                  </a:lnTo>
+                  <a:lnTo>
+                    <a:pt x="0" y="647761"/>
+                  </a:lnTo>
+                  <a:close/>
+                </a:path>
+              </a:pathLst>
+            </a:custGeom>
+            <a:solidFill>
+              <a:schemeClr val="accent6"/>
+            </a:solidFill>
+            <a:ln>
+              <a:noFill/>
+            </a:ln>
+          </p:spPr>
+          <p:style>
+            <a:lnRef idx="2">
+              <a:schemeClr val="accent1">
+                <a:shade val="50000"/>
+              </a:schemeClr>
+            </a:lnRef>
+            <a:fillRef idx="1">
+              <a:schemeClr val="accent1"/>
+            </a:fillRef>
+            <a:effectRef idx="0">
+              <a:schemeClr val="accent1"/>
+            </a:effectRef>
+            <a:fontRef idx="minor">
+              <a:schemeClr val="lt1"/>
+            </a:fontRef>
+          </p:style>
+          <p:txBody>
+            <a:bodyPr anchor="ctr"/>
+            <a:lstStyle>
+              <a:defPPr>
+                <a:defRPr lang="zh-CN"/>
+              </a:defPPr>
+              <a:lvl1pPr algn="l" rtl="0" eaLnBrk="0" fontAlgn="base" hangingPunct="0">
+                <a:spcBef>
+                  <a:spcPct val="0"/>
+                </a:spcBef>
+                <a:spcAft>
+                  <a:spcPct val="0"/>
+                </a:spcAft>
+                <a:defRPr kern="1200">
+                  <a:solidFill>
+                    <a:schemeClr val="lt1"/>
+                  </a:solidFill>
+                  <a:latin typeface="+mn-lt"/>
+                  <a:ea typeface="+mn-ea"/>
+                  <a:cs typeface="+mn-cs"/>
+                </a:defRPr>
+              </a:lvl1pPr>
+              <a:lvl2pPr marL="457200" algn="l" rtl="0" eaLnBrk="0" fontAlgn="base" hangingPunct="0">
+                <a:spcBef>
+                  <a:spcPct val="0"/>
+                </a:spcBef>
+                <a:spcAft>
+                  <a:spcPct val="0"/>
+                </a:spcAft>
+                <a:defRPr kern="1200">
+                  <a:solidFill>
+                    <a:schemeClr val="lt1"/>
+                  </a:solidFill>
+                  <a:latin typeface="+mn-lt"/>
+                  <a:ea typeface="+mn-ea"/>
+                  <a:cs typeface="+mn-cs"/>
+                </a:defRPr>
+              </a:lvl2pPr>
+              <a:lvl3pPr marL="914400" algn="l" rtl="0" eaLnBrk="0" fontAlgn="base" hangingPunct="0">
+                <a:spcBef>
+                  <a:spcPct val="0"/>
+                </a:spcBef>
+                <a:spcAft>
+                  <a:spcPct val="0"/>
+                </a:spcAft>
+                <a:defRPr kern="1200">
+                  <a:solidFill>
+                    <a:schemeClr val="lt1"/>
+                  </a:solidFill>
+                  <a:latin typeface="+mn-lt"/>
+                  <a:ea typeface="+mn-ea"/>
+                  <a:cs typeface="+mn-cs"/>
+                </a:defRPr>
+              </a:lvl3pPr>
+              <a:lvl4pPr marL="1371600" algn="l" rtl="0" eaLnBrk="0" fontAlgn="base" hangingPunct="0">
+                <a:spcBef>
+                  <a:spcPct val="0"/>
+                </a:spcBef>
+                <a:spcAft>
+                  <a:spcPct val="0"/>
+                </a:spcAft>
+                <a:defRPr kern="1200">
+                  <a:solidFill>
+                    <a:schemeClr val="lt1"/>
+                  </a:solidFill>
+                  <a:latin typeface="+mn-lt"/>
+                  <a:ea typeface="+mn-ea"/>
+                  <a:cs typeface="+mn-cs"/>
+                </a:defRPr>
+              </a:lvl4pPr>
+              <a:lvl5pPr marL="1828800" algn="l" rtl="0" eaLnBrk="0" fontAlgn="base" hangingPunct="0">
+                <a:spcBef>
+                  <a:spcPct val="0"/>
+                </a:spcBef>
+                <a:spcAft>
+                  <a:spcPct val="0"/>
+                </a:spcAft>
+                <a:defRPr kern="1200">
+                  <a:solidFill>
+                    <a:schemeClr val="lt1"/>
+                  </a:solidFill>
+                  <a:latin typeface="+mn-lt"/>
+                  <a:ea typeface="+mn-ea"/>
+                  <a:cs typeface="+mn-cs"/>
+                </a:defRPr>
+              </a:lvl5pPr>
+              <a:lvl6pPr marL="2286000" algn="l" defTabSz="914400" rtl="0" eaLnBrk="1" latinLnBrk="0" hangingPunct="1">
+                <a:defRPr kern="1200">
+                  <a:solidFill>
+                    <a:schemeClr val="lt1"/>
+                  </a:solidFill>
+                  <a:latin typeface="+mn-lt"/>
+                  <a:ea typeface="+mn-ea"/>
+                  <a:cs typeface="+mn-cs"/>
+                </a:defRPr>
+              </a:lvl6pPr>
+              <a:lvl7pPr marL="2743200" algn="l" defTabSz="914400" rtl="0" eaLnBrk="1" latinLnBrk="0" hangingPunct="1">
+                <a:defRPr kern="1200">
+                  <a:solidFill>
+                    <a:schemeClr val="lt1"/>
+                  </a:solidFill>
+                  <a:latin typeface="+mn-lt"/>
+                  <a:ea typeface="+mn-ea"/>
+                  <a:cs typeface="+mn-cs"/>
+                </a:defRPr>
+              </a:lvl7pPr>
+              <a:lvl8pPr marL="3200400" algn="l" defTabSz="914400" rtl="0" eaLnBrk="1" latinLnBrk="0" hangingPunct="1">
+                <a:defRPr kern="1200">
+                  <a:solidFill>
+                    <a:schemeClr val="lt1"/>
+                  </a:solidFill>
+                  <a:latin typeface="+mn-lt"/>
+                  <a:ea typeface="+mn-ea"/>
+                  <a:cs typeface="+mn-cs"/>
+                </a:defRPr>
+              </a:lvl8pPr>
+              <a:lvl9pPr marL="3657600" algn="l" defTabSz="914400" rtl="0" eaLnBrk="1" latinLnBrk="0" hangingPunct="1">
+                <a:defRPr kern="1200">
+                  <a:solidFill>
+                    <a:schemeClr val="lt1"/>
+                  </a:solidFill>
+                  <a:latin typeface="+mn-lt"/>
+                  <a:ea typeface="+mn-ea"/>
+                  <a:cs typeface="+mn-cs"/>
+                </a:defRPr>
+              </a:lvl9pPr>
+            </a:lstStyle>
+            <a:p>
+              <a:pPr algn="ctr" eaLnBrk="1" fontAlgn="auto" hangingPunct="1">
+                <a:spcBef>
+                  <a:spcPts val="0"/>
+                </a:spcBef>
+                <a:spcAft>
+                  <a:spcPts val="0"/>
+                </a:spcAft>
+                <a:defRPr/>
+              </a:pPr>
+              <a:endParaRPr lang="zh-CN" altLang="en-US" sz="1799" dirty="0">
+                <a:solidFill>
+                  <a:srgbClr val="FFFFFF"/>
+                </a:solidFill>
+                <a:latin typeface="微软雅黑" panose="020B0503020204020204" pitchFamily="34" charset="-122"/>
+                <a:ea typeface="微软雅黑" panose="020B0503020204020204" pitchFamily="34" charset="-122"/>
+                <a:sym typeface="Source Han Serif SC" panose="02020400000000000000" pitchFamily="18" charset="-122"/>
+              </a:endParaRPr>
+            </a:p>
+          </p:txBody>
+        </p:sp>
+        <p:sp>
+          <p:nvSpPr>
+            <p:cNvPr id="4" name="文本框 2">
+              <a:extLst>
+                <a:ext uri="{FF2B5EF4-FFF2-40B4-BE49-F238E27FC236}">
+                  <a16:creationId xmlns:a16="http://schemas.microsoft.com/office/drawing/2014/main" id="{46BB5C7A-4518-4934-9EA4-7D3098910FA7}"/>
+                </a:ext>
+              </a:extLst>
+            </p:cNvPr>
+            <p:cNvSpPr txBox="1"/>
+            <p:nvPr/>
+          </p:nvSpPr>
+          <p:spPr>
+            <a:xfrm>
+              <a:off x="1283900" y="419918"/>
+              <a:ext cx="3607696" cy="519486"/>
+            </a:xfrm>
+            <a:prstGeom prst="rect">
+              <a:avLst/>
+            </a:prstGeom>
+            <a:noFill/>
+          </p:spPr>
+          <p:txBody>
+            <a:bodyPr wrap="square" lIns="87741" tIns="43871" rIns="87741" bIns="43871" rtlCol="0">
+              <a:spAutoFit/>
+            </a:bodyPr>
+            <a:lstStyle>
+              <a:defPPr>
+                <a:defRPr lang="zh-CN"/>
+              </a:defPPr>
+              <a:lvl1pPr algn="ctr">
+                <a:defRPr sz="2400" spc="300">
+                  <a:solidFill>
+                    <a:schemeClr val="tx2"/>
+                  </a:solidFill>
+                  <a:latin typeface="思源黑体 CN Bold" pitchFamily="34" charset="-122"/>
+                  <a:ea typeface="思源黑体 CN Bold" pitchFamily="34" charset="-122"/>
+                </a:defRPr>
+              </a:lvl1pPr>
+            </a:lstStyle>
+            <a:p>
+              <a:pPr algn="l" defTabSz="914126" fontAlgn="base">
+                <a:spcBef>
+                  <a:spcPct val="0"/>
+                </a:spcBef>
+                <a:spcAft>
+                  <a:spcPct val="0"/>
+                </a:spcAft>
+              </a:pPr>
+              <a:r>
+                <a:rPr lang="zh-TW" altLang="en-US" sz="2800" dirty="0">
+                  <a:solidFill>
+                    <a:schemeClr val="accent2"/>
+                  </a:solidFill>
+                  <a:latin typeface="微软雅黑" panose="020B0503020204020204" pitchFamily="34" charset="-122"/>
+                  <a:ea typeface="微软雅黑" panose="020B0503020204020204" pitchFamily="34" charset="-122"/>
+                  <a:sym typeface="Source Han Serif SC" panose="02020400000000000000" pitchFamily="18" charset="-122"/>
+                </a:rPr>
+                <a:t>使用不同裝置瀏覽跑版</a:t>
+              </a:r>
+              <a:endParaRPr lang="en-US" altLang="zh-CN" sz="2800" dirty="0">
+                <a:solidFill>
+                  <a:schemeClr val="accent2"/>
+                </a:solidFill>
+                <a:latin typeface="微软雅黑" panose="020B0503020204020204" pitchFamily="34" charset="-122"/>
+                <a:ea typeface="微软雅黑" panose="020B0503020204020204" pitchFamily="34" charset="-122"/>
+                <a:sym typeface="Source Han Serif SC" panose="02020400000000000000" pitchFamily="18" charset="-122"/>
+              </a:endParaRPr>
+            </a:p>
+          </p:txBody>
+        </p:sp>
+      </p:grpSp>
+      <p:sp>
+        <p:nvSpPr>
+          <p:cNvPr id="5" name="文字方塊 4">
+            <a:extLst>
+              <a:ext uri="{FF2B5EF4-FFF2-40B4-BE49-F238E27FC236}">
+                <a16:creationId xmlns:a16="http://schemas.microsoft.com/office/drawing/2014/main" id="{F292914C-B097-49DF-94CF-EEA832984825}"/>
+              </a:ext>
+            </a:extLst>
+          </p:cNvPr>
+          <p:cNvSpPr txBox="1"/>
+          <p:nvPr/>
+        </p:nvSpPr>
+        <p:spPr>
+          <a:xfrm>
+            <a:off x="887848" y="1547187"/>
+            <a:ext cx="11078674" cy="2554545"/>
+          </a:xfrm>
+          <a:prstGeom prst="rect">
+            <a:avLst/>
+          </a:prstGeom>
+          <a:noFill/>
+        </p:spPr>
+        <p:txBody>
+          <a:bodyPr wrap="none" rtlCol="0">
+            <a:spAutoFit/>
+          </a:bodyPr>
+          <a:lstStyle/>
+          <a:p>
+            <a:pPr>
+              <a:buSzPct val="100000"/>
+            </a:pPr>
+            <a:r>
+              <a:rPr lang="zh-TW" altLang="en-US" sz="2000" b="1" dirty="0">
+                <a:latin typeface="微軟正黑體" panose="020B0604030504040204" pitchFamily="34" charset="-120"/>
+                <a:ea typeface="微軟正黑體" panose="020B0604030504040204" pitchFamily="34" charset="-120"/>
+              </a:rPr>
+              <a:t>問題：</a:t>
+            </a:r>
+            <a:r>
+              <a:rPr lang="zh-TW" altLang="en-US" sz="2000" dirty="0"/>
+              <a:t>使用不同裝置瀏覽此網頁時，會出現圖片與文字交錯或顯示在錯誤位置</a:t>
+            </a:r>
+            <a:endParaRPr lang="en-US" altLang="zh-TW" sz="2000" b="1" dirty="0"/>
+          </a:p>
+          <a:p>
+            <a:pPr>
+              <a:buSzPct val="100000"/>
+            </a:pPr>
+            <a:endParaRPr lang="en-US" altLang="zh-TW" sz="2000" b="1" dirty="0"/>
+          </a:p>
+          <a:p>
+            <a:pPr>
+              <a:buSzPct val="100000"/>
+            </a:pPr>
+            <a:endParaRPr lang="en-US" altLang="zh-TW" sz="2000" b="1" dirty="0"/>
+          </a:p>
+          <a:p>
+            <a:pPr>
+              <a:buSzPct val="100000"/>
+            </a:pPr>
+            <a:endParaRPr lang="en-US" altLang="zh-TW" sz="2000" b="1" dirty="0"/>
+          </a:p>
+          <a:p>
+            <a:pPr>
+              <a:buSzPct val="100000"/>
+            </a:pPr>
+            <a:endParaRPr lang="en-US" altLang="zh-TW" sz="2000" b="1" dirty="0"/>
+          </a:p>
+          <a:p>
+            <a:pPr>
+              <a:buSzPct val="100000"/>
+            </a:pPr>
+            <a:endParaRPr lang="en-US" altLang="zh-TW" sz="2000" b="1" dirty="0">
+              <a:latin typeface="微軟正黑體" panose="020B0604030504040204" pitchFamily="34" charset="-120"/>
+              <a:ea typeface="微軟正黑體" panose="020B0604030504040204" pitchFamily="34" charset="-120"/>
+            </a:endParaRPr>
+          </a:p>
+          <a:p>
+            <a:pPr>
+              <a:buSzPct val="100000"/>
+            </a:pPr>
+            <a:endParaRPr lang="en-US" altLang="zh-TW" sz="2000" b="1" dirty="0">
+              <a:latin typeface="微軟正黑體" panose="020B0604030504040204" pitchFamily="34" charset="-120"/>
+              <a:ea typeface="微軟正黑體" panose="020B0604030504040204" pitchFamily="34" charset="-120"/>
+            </a:endParaRPr>
+          </a:p>
+          <a:p>
+            <a:pPr>
+              <a:buSzPct val="100000"/>
+            </a:pPr>
+            <a:r>
+              <a:rPr lang="zh-TW" altLang="en-US" sz="2000" b="1" dirty="0">
+                <a:latin typeface="微軟正黑體" panose="020B0604030504040204" pitchFamily="34" charset="-120"/>
+                <a:ea typeface="微軟正黑體" panose="020B0604030504040204" pitchFamily="34" charset="-120"/>
+              </a:rPr>
+              <a:t>解決方法：</a:t>
+            </a:r>
+            <a:r>
+              <a:rPr lang="zh-TW" altLang="en-US" sz="2000" dirty="0"/>
+              <a:t>使用</a:t>
+            </a:r>
+            <a:r>
+              <a:rPr lang="en-US" altLang="zh-TW" sz="2000" dirty="0"/>
+              <a:t>RWD</a:t>
+            </a:r>
+            <a:r>
+              <a:rPr lang="zh-TW" altLang="en-US" sz="2000" dirty="0"/>
+              <a:t>寫法，對不同裝置的畫面重新設計，讓使用者用任何裝置都能清楚的瀏覽</a:t>
+            </a:r>
+            <a:endParaRPr lang="en-US" altLang="zh-TW" sz="2000" dirty="0"/>
+          </a:p>
+        </p:txBody>
+      </p:sp>
+    </p:spTree>
+    <p:extLst>
+      <p:ext uri="{BB962C8B-B14F-4D97-AF65-F5344CB8AC3E}">
+        <p14:creationId xmlns:p14="http://schemas.microsoft.com/office/powerpoint/2010/main" val="960578776"/>
+      </p:ext>
+    </p:extLst>
+  </p:cSld>
+  <p:clrMapOvr>
+    <a:masterClrMapping/>
+  </p:clrMapOvr>
+  <mc:AlternateContent xmlns:mc="http://schemas.openxmlformats.org/markup-compatibility/2006" xmlns:p14="http://schemas.microsoft.com/office/powerpoint/2010/main">
+    <mc:Choice Requires="p14">
+      <p:transition spd="slow" p14:dur="1250" advClick="0" advTm="0">
+        <p:split orient="vert"/>
+      </p:transition>
+    </mc:Choice>
+    <mc:Fallback xmlns="">
+      <p:transition spd="slow" advClick="0" advTm="0">
+        <p:split orient="vert"/>
+      </p:transition>
+    </mc:Fallback>
+  </mc:AlternateContent>
+</p:sld>
+</file>
+
+<file path=ppt/slides/slide7.xml><?xml version="1.0" encoding="utf-8"?>
 <p:sld xmlns:a="http://schemas.openxmlformats.org/drawingml/2006/main" xmlns:r="http://schemas.openxmlformats.org/officeDocument/2006/relationships" xmlns:p="http://schemas.openxmlformats.org/presentationml/2006/main">
   <p:cSld>
     <p:spTree>
@@ -7979,76 +8352,28 @@
               <a:buSzPct val="100000"/>
             </a:pPr>
             <a:r>
-              <a:rPr lang="zh-TW" altLang="en-US" sz="2000" dirty="0" smtClean="0"/>
-              <a:t>在購</a:t>
-            </a:r>
-            <a:r>
               <a:rPr lang="zh-TW" altLang="en-US" sz="2000" dirty="0"/>
-              <a:t>買</a:t>
-            </a:r>
-            <a:r>
-              <a:rPr lang="zh-TW" altLang="en-US" sz="2000" dirty="0" smtClean="0"/>
-              <a:t>階段當輸入資料都打</a:t>
-            </a:r>
-            <a:r>
-              <a:rPr lang="zh-TW" altLang="en-US" sz="2000" dirty="0"/>
-              <a:t>好，按下按鈕已經要儲值的時候</a:t>
-            </a:r>
-            <a:r>
-              <a:rPr lang="zh-TW" altLang="en-US" sz="2000" dirty="0" smtClean="0"/>
-              <a:t>，</a:t>
-            </a:r>
-            <a:endParaRPr lang="en-US" altLang="zh-TW" sz="2000" dirty="0" smtClean="0"/>
+              <a:t>在購買階段當輸入資料都打好，按下按鈕已經要儲值的時候，</a:t>
+            </a:r>
+            <a:endParaRPr lang="en-US" altLang="zh-TW" sz="2000" dirty="0"/>
           </a:p>
           <a:p>
             <a:pPr>
               <a:buSzPct val="100000"/>
             </a:pPr>
             <a:r>
-              <a:rPr lang="zh-TW" altLang="en-US" sz="2000" dirty="0" smtClean="0"/>
-              <a:t>會跳出一個</a:t>
-            </a:r>
-            <a:r>
               <a:rPr lang="zh-TW" altLang="en-US" sz="2000" dirty="0"/>
-              <a:t>小視窗</a:t>
-            </a:r>
-            <a:r>
-              <a:rPr lang="zh-TW" altLang="en-US" sz="2000" dirty="0" smtClean="0"/>
-              <a:t>顯示購</a:t>
-            </a:r>
-            <a:r>
-              <a:rPr lang="zh-TW" altLang="en-US" sz="2000" dirty="0"/>
-              <a:t>買</a:t>
-            </a:r>
-            <a:r>
-              <a:rPr lang="zh-TW" altLang="en-US" sz="2000" dirty="0" smtClean="0"/>
-              <a:t>的</a:t>
-            </a:r>
-            <a:r>
-              <a:rPr lang="zh-TW" altLang="en-US" sz="2000" dirty="0"/>
-              <a:t>數量</a:t>
-            </a:r>
-            <a:r>
-              <a:rPr lang="zh-TW" altLang="en-US" sz="2000" dirty="0" smtClean="0"/>
-              <a:t>以及確認使用者購買意願，</a:t>
-            </a:r>
-            <a:endParaRPr lang="en-US" altLang="zh-TW" sz="2000" dirty="0" smtClean="0"/>
+              <a:t>會跳出一個小視窗顯示購買的數量以及確認使用者購買意願，</a:t>
+            </a:r>
+            <a:endParaRPr lang="en-US" altLang="zh-TW" sz="2000" dirty="0"/>
           </a:p>
           <a:p>
             <a:pPr>
               <a:buSzPct val="100000"/>
             </a:pPr>
             <a:r>
-              <a:rPr lang="zh-TW" altLang="en-US" sz="2000" dirty="0" smtClean="0"/>
-              <a:t>讓購買者可以確認資料是否正確及可以</a:t>
-            </a:r>
-            <a:r>
               <a:rPr lang="zh-TW" altLang="en-US" sz="2000" dirty="0"/>
-              <a:t>有機會重新檢視自己是否真的</a:t>
-            </a:r>
-            <a:r>
-              <a:rPr lang="zh-TW" altLang="en-US" sz="2000" dirty="0" smtClean="0"/>
-              <a:t>想真的想購買。</a:t>
+              <a:t>讓購買者可以確認資料是否正確及可以有機會重新檢視自己是否真的想真的想購買。</a:t>
             </a:r>
             <a:endParaRPr lang="en-US" altLang="zh-TW" sz="2000" dirty="0">
               <a:latin typeface="微軟正黑體" panose="020B0604030504040204" pitchFamily="34" charset="-120"/>
